--- a/20학번_조재현/3주차/Defile발표.pptx
+++ b/20학번_조재현/3주차/Defile발표.pptx
@@ -203,7 +203,7 @@
   <inkml:trace contextRef="#ctx0" brushRef="#br1" timeOffset="10055.12">26352 1058 0,'-35'-17'16,"0"-1"-16,-53 0 15,-53 1 1,-53 17-1,35 0 1,18 0 0,0 53-1,17 35 1,89-53-16,-106 142 16,17 52-1,107-53 1,-1 18-1,18 36 1,88-1 0,-17-53-1,123 89 17,-124-177-17,36-17 1,-18-18-1,36-36 1,70-17 0,35 35-1,-70-35 1,-36-17 0,-17-18-1,53-36 1,-88-17-1,-36-18 1,18-35 0,0 35 15,35-141-15,-70 124-1,17-107 1,-35 54-1,-18-36 1,1 36 0,-1 70-1,-35-17 1,-35 17 0,17 70-1,18 1 1,-53 0-1,1 0 1,-1 17 0,18 18 15,52 0-15,1 0-1,0 0 1,17 0-1,0 18 1,1-1 0,-18 1-16</inkml:trace>
   <inkml:trace contextRef="#ctx0" brushRef="#br1" timeOffset="10579.7">23513 494 0,'35'18'15,"53"34"1,124 90-16,158 87 31,18 0-15,-264-141-16,52 53 15,-105-123 1</inkml:trace>
   <inkml:trace contextRef="#ctx0" brushRef="#br1" timeOffset="10985.62">23583 1711 0,'0'0'0,"53"0"0,0 0 16,123 18-1,89-1 1,70-17-1,-70 0 1,-195 0 0</inkml:trace>
-  <inkml:trace contextRef="#ctx0" brushRef="#br1" timeOffset="11458.35">24077 3193 0,'18'0'0,"35"0"16,0 0-16,35-53 15,35-35 1,18-18 0,89-71-1,-160 124 1,-52 18-1,-18 17 17,17 18-17</inkml:trace>
+  <inkml:trace contextRef="#ctx0" brushRef="#br1" timeOffset="11458.34">24077 3193 0,'18'0'0,"35"0"16,0 0-16,35-53 15,35-35 1,18-18 0,89-71-1,-160 124 1,-52 18-1,-18 17 17,17 18-17</inkml:trace>
   <inkml:trace contextRef="#ctx0" brushRef="#br1" timeOffset="11895.18">25329 3722 0,'0'0'0,"36"-88"16,-1-18 0,0-35-1,1 70-15,-1-52 16,-18 17 0,-17 71-1</inkml:trace>
   <inkml:trace contextRef="#ctx0" brushRef="#br1" timeOffset="12360">26476 3845 0,'0'0'0,"0"-158"15,0-37 1,0 37-1,0 17 1,0 17 0,0 54-1,0 34 1</inkml:trace>
   <inkml:trace contextRef="#ctx0" brushRef="#br1" timeOffset="12813.73">27975 2381 0,'-53'-17'15,"-17"-1"1,-36 0-16,-18 1 16,36-1-16,-353-53 15,230 1 1,175 70-1</inkml:trace>
@@ -241,7 +241,7 @@
     </inkml:brush>
   </inkml:definitions>
   <inkml:trace contextRef="#ctx0" brushRef="#br0">28593 4798 0,'0'35'47,"0"0"-47,0 36 15,-18 52 1,0-34 0,18-37-1,0 1 1,0 0-16,0-17 31,0-19 16,0 1-16</inkml:trace>
-  <inkml:trace contextRef="#ctx0" brushRef="#br0" timeOffset="620.34">28698 6050 0,'0'18'47,"0"17"-47,0 18 16,-17 53-1,17-18-15,-35 159 16,35 35 0,-18-70 15,18-106-15</inkml:trace>
+  <inkml:trace contextRef="#ctx0" brushRef="#br0" timeOffset="620.33">28698 6050 0,'0'18'47,"0"17"-47,0 18 16,-17 53-1,17-18-15,-35 159 16,35 35 0,-18-70 15,18-106-15</inkml:trace>
 </inkml:ink>
 </file>
 
@@ -4561,8 +4561,8 @@
           </p:pic>
         </mc:Fallback>
       </mc:AlternateContent>
-      <mc:AlternateContent xmlns:mc="http://schemas.openxmlformats.org/markup-compatibility/2006">
-        <mc:Choice xmlns:p14="http://schemas.microsoft.com/office/powerpoint/2010/main" Requires="p14">
+      <mc:AlternateContent xmlns:mc="http://schemas.openxmlformats.org/markup-compatibility/2006" xmlns:p14="http://schemas.microsoft.com/office/powerpoint/2010/main">
+        <mc:Choice Requires="p14">
           <p:contentPart p14:bwMode="auto" r:id="rId4">
             <p14:nvContentPartPr>
               <p14:cNvPr id="3" name="잉크 2">
@@ -4581,7 +4581,7 @@
             </p14:xfrm>
           </p:contentPart>
         </mc:Choice>
-        <mc:Fallback>
+        <mc:Fallback xmlns="">
           <p:pic>
             <p:nvPicPr>
               <p:cNvPr id="3" name="잉크 2">
@@ -4612,8 +4612,8 @@
           </p:pic>
         </mc:Fallback>
       </mc:AlternateContent>
-      <mc:AlternateContent xmlns:mc="http://schemas.openxmlformats.org/markup-compatibility/2006">
-        <mc:Choice xmlns:p14="http://schemas.microsoft.com/office/powerpoint/2010/main" Requires="p14">
+      <mc:AlternateContent xmlns:mc="http://schemas.openxmlformats.org/markup-compatibility/2006" xmlns:p14="http://schemas.microsoft.com/office/powerpoint/2010/main">
+        <mc:Choice Requires="p14">
           <p:contentPart p14:bwMode="auto" r:id="rId6">
             <p14:nvContentPartPr>
               <p14:cNvPr id="4" name="잉크 3">
@@ -4632,7 +4632,7 @@
             </p14:xfrm>
           </p:contentPart>
         </mc:Choice>
-        <mc:Fallback>
+        <mc:Fallback xmlns="">
           <p:pic>
             <p:nvPicPr>
               <p:cNvPr id="4" name="잉크 3">
